--- a/Arthur_presentation_copytrading.pptx
+++ b/Arthur_presentation_copytrading.pptx
@@ -3660,7 +3660,7 @@
         <p:spPr/>
         <p:txBody>
           <a:bodyPr>
-            <a:normAutofit lnSpcReduction="10000"/>
+            <a:normAutofit fontScale="92500"/>
           </a:bodyPr>
           <a:lstStyle/>
           <a:p>
@@ -3702,7 +3702,34 @@
               <a:rPr lang="fr-FR" dirty="0" err="1"/>
               <a:t>Bybit</a:t>
             </a:r>
-            <a:endParaRPr lang="fr-FR" dirty="0"/>
+            <a:r>
+              <a:rPr lang="fr-FR" dirty="0"/>
+              <a:t>, je peux laisser mes </a:t>
+            </a:r>
+            <a:r>
+              <a:rPr lang="fr-FR"/>
+              <a:t>clés API </a:t>
+            </a:r>
+            <a:r>
+              <a:rPr lang="fr-FR" dirty="0"/>
+              <a:t>en clair car elles proviennent d’un compte sur le site </a:t>
+            </a:r>
+            <a:r>
+              <a:rPr lang="fr-FR" dirty="0" err="1"/>
+              <a:t>tesnet</a:t>
+            </a:r>
+            <a:r>
+              <a:rPr lang="fr-FR" dirty="0"/>
+              <a:t> de </a:t>
+            </a:r>
+            <a:r>
+              <a:rPr lang="fr-FR" dirty="0" err="1"/>
+              <a:t>bybit</a:t>
+            </a:r>
+            <a:r>
+              <a:rPr lang="fr-FR" dirty="0"/>
+              <a:t> et non le site principal</a:t>
+            </a:r>
           </a:p>
         </p:txBody>
       </p:sp>
